--- a/연구계획/4조_연구계획.pptx
+++ b/연구계획/4조_연구계획.pptx
@@ -243,7 +243,7 @@
                 <a:latin typeface="맑은 고딕" panose="020B0503020000020004" pitchFamily="50" charset="-127"/>
                 <a:ea typeface="맑은 고딕" panose="020B0503020000020004" pitchFamily="50" charset="-127"/>
               </a:rPr>
-              <a:t>2023년 3월 7일</a:t>
+              <a:t>2023년 3월 8일</a:t>
             </a:fld>
             <a:endParaRPr lang="ko-KR" altLang="en-US" dirty="0">
               <a:latin typeface="맑은 고딕" panose="020B0503020000020004" pitchFamily="50" charset="-127"/>
@@ -435,7 +435,7 @@
             <a:fld id="{F4850ADA-4A79-44EA-AE52-C6C418D547D1}" type="datetime4">
               <a:rPr lang="ko-KR" altLang="en-US" smtClean="0"/>
               <a:pPr/>
-              <a:t>2023년 3월 7일</a:t>
+              <a:t>2023년 3월 8일</a:t>
             </a:fld>
             <a:endParaRPr lang="ko-KR" altLang="en-US" dirty="0"/>
           </a:p>
@@ -1937,7 +1937,7 @@
           <a:p>
             <a:fld id="{FE35DF25-BE88-4327-9778-737BABF43563}" type="datetime4">
               <a:rPr lang="ko-KR" altLang="en-US" noProof="0" smtClean="0"/>
-              <a:t>2023년 3월 7일</a:t>
+              <a:t>2023년 3월 8일</a:t>
             </a:fld>
             <a:endParaRPr lang="ko-KR" altLang="en-US" noProof="0" dirty="0"/>
           </a:p>
@@ -2214,7 +2214,7 @@
           <a:p>
             <a:fld id="{E9B43108-623B-43F4-8FC9-5F90213677BF}" type="datetime4">
               <a:rPr lang="ko-KR" altLang="en-US" noProof="0" smtClean="0"/>
-              <a:t>2023년 3월 7일</a:t>
+              <a:t>2023년 3월 8일</a:t>
             </a:fld>
             <a:endParaRPr lang="ko-KR" altLang="en-US" noProof="0" dirty="0"/>
           </a:p>
@@ -3117,7 +3117,7 @@
           <a:p>
             <a:fld id="{B32089CF-49FB-45E1-B4F4-3300B5FEF488}" type="datetime4">
               <a:rPr lang="ko-KR" altLang="en-US" noProof="0" smtClean="0"/>
-              <a:t>2023년 3월 7일</a:t>
+              <a:t>2023년 3월 8일</a:t>
             </a:fld>
             <a:endParaRPr lang="ko-KR" altLang="en-US" noProof="0" dirty="0"/>
           </a:p>
@@ -3383,7 +3383,7 @@
           <a:p>
             <a:fld id="{B5E85489-0473-4CEC-96B1-656A49F02CDC}" type="datetime4">
               <a:rPr lang="ko-KR" altLang="en-US" noProof="0" smtClean="0"/>
-              <a:t>2023년 3월 7일</a:t>
+              <a:t>2023년 3월 8일</a:t>
             </a:fld>
             <a:endParaRPr lang="ko-KR" altLang="en-US" noProof="0" dirty="0"/>
           </a:p>
@@ -4385,7 +4385,7 @@
           <a:p>
             <a:fld id="{6453B5DC-0B41-4B0D-A171-9E35C96AC0B7}" type="datetime4">
               <a:rPr lang="ko-KR" altLang="en-US" noProof="0" smtClean="0"/>
-              <a:t>2023년 3월 7일</a:t>
+              <a:t>2023년 3월 8일</a:t>
             </a:fld>
             <a:endParaRPr lang="ko-KR" altLang="en-US" noProof="0" dirty="0"/>
           </a:p>
@@ -4767,7 +4767,7 @@
           <a:p>
             <a:fld id="{7598985B-846B-4C40-9F35-583F0E615C94}" type="datetime4">
               <a:rPr lang="ko-KR" altLang="en-US" noProof="0" smtClean="0"/>
-              <a:t>2023년 3월 7일</a:t>
+              <a:t>2023년 3월 8일</a:t>
             </a:fld>
             <a:endParaRPr lang="ko-KR" altLang="en-US" noProof="0" dirty="0"/>
           </a:p>
@@ -5243,7 +5243,7 @@
             <a:pPr rtl="0"/>
             <a:fld id="{90E74411-231B-434B-A8A1-2B6BFD27CEA9}" type="datetime4">
               <a:rPr lang="ko-KR" altLang="en-US" noProof="0" smtClean="0"/>
-              <a:t>2023년 3월 7일</a:t>
+              <a:t>2023년 3월 8일</a:t>
             </a:fld>
             <a:endParaRPr lang="ko-KR" altLang="en-US" noProof="0" dirty="0"/>
           </a:p>
@@ -5387,7 +5387,7 @@
             <a:pPr rtl="0"/>
             <a:fld id="{40BCFAE1-F7DB-4234-B479-E9B04DC7D437}" type="datetime4">
               <a:rPr lang="ko-KR" altLang="en-US" noProof="0" smtClean="0"/>
-              <a:t>2023년 3월 7일</a:t>
+              <a:t>2023년 3월 8일</a:t>
             </a:fld>
             <a:endParaRPr lang="ko-KR" altLang="en-US" noProof="0" dirty="0"/>
           </a:p>
@@ -5753,7 +5753,7 @@
           <a:p>
             <a:fld id="{4BC7B32D-335A-4CCE-95F7-27C75A015B7F}" type="datetime4">
               <a:rPr lang="ko-KR" altLang="en-US" noProof="0" smtClean="0"/>
-              <a:t>2023년 3월 7일</a:t>
+              <a:t>2023년 3월 8일</a:t>
             </a:fld>
             <a:endParaRPr lang="ko-KR" altLang="en-US" noProof="0" dirty="0"/>
           </a:p>
@@ -6301,7 +6301,7 @@
           <a:p>
             <a:fld id="{1D7E0E93-844A-4B00-9DF0-05111E5494C4}" type="datetime4">
               <a:rPr lang="ko-KR" altLang="en-US" noProof="0" smtClean="0"/>
-              <a:t>2023년 3월 7일</a:t>
+              <a:t>2023년 3월 8일</a:t>
             </a:fld>
             <a:endParaRPr lang="ko-KR" altLang="en-US" noProof="0" dirty="0"/>
           </a:p>
@@ -6794,7 +6794,7 @@
           <a:p>
             <a:fld id="{C1D4E086-F3BA-4A95-AFB5-D273C3A9E29B}" type="datetime4">
               <a:rPr lang="ko-KR" altLang="en-US" noProof="0" smtClean="0"/>
-              <a:t>2023년 3월 7일</a:t>
+              <a:t>2023년 3월 8일</a:t>
             </a:fld>
             <a:endParaRPr lang="ko-KR" altLang="en-US" noProof="0" dirty="0"/>
           </a:p>
@@ -7399,7 +7399,7 @@
           <a:p>
             <a:fld id="{3F4272C0-03A7-4D51-97AA-68962CC661E0}" type="datetime4">
               <a:rPr lang="ko-KR" altLang="en-US" noProof="0" smtClean="0"/>
-              <a:t>2023년 3월 7일</a:t>
+              <a:t>2023년 3월 8일</a:t>
             </a:fld>
             <a:endParaRPr lang="ko-KR" altLang="en-US" noProof="0" dirty="0"/>
           </a:p>
@@ -7869,12 +7869,20 @@
           <a:p>
             <a:pPr rtl="0"/>
             <a:r>
-              <a:rPr lang="ko-KR" altLang="en-US" dirty="0">
-                <a:latin typeface="맑은 고딕" panose="020B0503020000020004" pitchFamily="50" charset="-127"/>
-                <a:ea typeface="맑은 고딕" panose="020B0503020000020004" pitchFamily="50" charset="-127"/>
-              </a:rPr>
-              <a:t>제목 레이아웃</a:t>
-            </a:r>
+              <a:rPr lang="en-US" altLang="ko-KR" dirty="0" smtClean="0"/>
+              <a:t>Walk with me</a:t>
+            </a:r>
+            <a:br>
+              <a:rPr lang="en-US" altLang="ko-KR" dirty="0" smtClean="0"/>
+            </a:br>
+            <a:r>
+              <a:rPr lang="ko-KR" altLang="en-US" dirty="0" smtClean="0"/>
+              <a:t>시각장애인 스마트 지팡이</a:t>
+            </a:r>
+            <a:endParaRPr lang="ko-KR" altLang="en-US" dirty="0">
+              <a:latin typeface="맑은 고딕" panose="020B0503020000020004" pitchFamily="50" charset="-127"/>
+              <a:ea typeface="맑은 고딕" panose="020B0503020000020004" pitchFamily="50" charset="-127"/>
+            </a:endParaRPr>
           </a:p>
         </p:txBody>
       </p:sp>

--- a/연구계획/4조_연구계획.pptx
+++ b/연구계획/4조_연구계획.pptx
@@ -500,42 +500,41 @@
           <a:p>
             <a:pPr lvl="0" rtl="0"/>
             <a:r>
-              <a:rPr lang="ko-KR" altLang="en-US" noProof="0" dirty="0" smtClean="0"/>
+              <a:rPr lang="ko-KR" altLang="en-US" noProof="0" dirty="0"/>
               <a:t>마스터 텍스트 스타일을 편집하려면 클릭하세요</a:t>
             </a:r>
             <a:r>
-              <a:rPr lang="en-US" altLang="ko-KR" noProof="0" dirty="0" smtClean="0"/>
+              <a:rPr lang="en-US" altLang="ko-KR" noProof="0" dirty="0"/>
               <a:t>.</a:t>
             </a:r>
           </a:p>
           <a:p>
             <a:pPr lvl="1" rtl="0"/>
             <a:r>
-              <a:rPr lang="ko-KR" altLang="en-US" noProof="0" dirty="0" smtClean="0"/>
+              <a:rPr lang="ko-KR" altLang="en-US" noProof="0" dirty="0"/>
               <a:t>둘째 수준</a:t>
             </a:r>
           </a:p>
           <a:p>
             <a:pPr lvl="2" rtl="0"/>
             <a:r>
-              <a:rPr lang="ko-KR" altLang="en-US" noProof="0" dirty="0" smtClean="0"/>
+              <a:rPr lang="ko-KR" altLang="en-US" noProof="0" dirty="0"/>
               <a:t>셋째 수준</a:t>
             </a:r>
           </a:p>
           <a:p>
             <a:pPr lvl="3" rtl="0"/>
             <a:r>
-              <a:rPr lang="ko-KR" altLang="en-US" noProof="0" dirty="0" smtClean="0"/>
+              <a:rPr lang="ko-KR" altLang="en-US" noProof="0" dirty="0"/>
               <a:t>넷째 수준</a:t>
             </a:r>
           </a:p>
           <a:p>
             <a:pPr lvl="4" rtl="0"/>
             <a:r>
-              <a:rPr lang="ko-KR" altLang="en-US" noProof="0" dirty="0" smtClean="0"/>
+              <a:rPr lang="ko-KR" altLang="en-US" noProof="0" dirty="0"/>
               <a:t>다섯째 수준</a:t>
             </a:r>
-            <a:endParaRPr lang="ko-KR" altLang="en-US" noProof="0" dirty="0"/>
           </a:p>
         </p:txBody>
       </p:sp>
@@ -1778,7 +1777,7 @@
           <a:p>
             <a:pPr rtl="0"/>
             <a:r>
-              <a:rPr lang="ko-KR" altLang="en-US" noProof="0" smtClean="0"/>
+              <a:rPr lang="ko-KR" altLang="en-US" noProof="0"/>
               <a:t>마스터 제목 스타일 편집</a:t>
             </a:r>
             <a:endParaRPr lang="ko-KR" altLang="en-US" noProof="0" dirty="0"/>
@@ -1903,7 +1902,7 @@
           <a:p>
             <a:pPr rtl="0"/>
             <a:r>
-              <a:rPr lang="ko-KR" altLang="en-US" noProof="0" smtClean="0"/>
+              <a:rPr lang="ko-KR" altLang="en-US" noProof="0"/>
               <a:t>클릭하여 마스터 부제목 스타일 편집</a:t>
             </a:r>
             <a:endParaRPr lang="ko-KR" altLang="en-US" noProof="0" dirty="0"/>
@@ -1969,10 +1968,9 @@
           </a:lstStyle>
           <a:p>
             <a:r>
-              <a:rPr lang="ko-KR" altLang="en-US" noProof="0" dirty="0" smtClean="0"/>
+              <a:rPr lang="ko-KR" altLang="en-US" noProof="0" dirty="0"/>
               <a:t>바닥글 추가</a:t>
             </a:r>
-            <a:endParaRPr lang="ko-KR" altLang="en-US" noProof="0" dirty="0"/>
           </a:p>
         </p:txBody>
       </p:sp>
@@ -2037,13 +2035,6 @@
       </p:transition>
     </mc:Fallback>
   </mc:AlternateContent>
-  <p:timing>
-    <p:tnLst>
-      <p:par>
-        <p:cTn id="1" dur="indefinite" restart="never" nodeType="tmRoot"/>
-      </p:par>
-    </p:tnLst>
-  </p:timing>
 </p:sldLayout>
 </file>
 
@@ -2088,7 +2079,7 @@
           <a:p>
             <a:pPr rtl="0"/>
             <a:r>
-              <a:rPr lang="ko-KR" altLang="en-US" noProof="0" smtClean="0"/>
+              <a:rPr lang="ko-KR" altLang="en-US" noProof="0"/>
               <a:t>마스터 제목 스타일 편집</a:t>
             </a:r>
             <a:endParaRPr lang="ko-KR" altLang="en-US" noProof="0" dirty="0"/>
@@ -2155,35 +2146,35 @@
           <a:p>
             <a:pPr lvl="0" rtl="0"/>
             <a:r>
-              <a:rPr lang="ko-KR" altLang="en-US" noProof="0" smtClean="0"/>
+              <a:rPr lang="ko-KR" altLang="en-US" noProof="0"/>
               <a:t>마스터 텍스트 스타일 편집</a:t>
             </a:r>
           </a:p>
           <a:p>
             <a:pPr lvl="1" rtl="0"/>
             <a:r>
-              <a:rPr lang="ko-KR" altLang="en-US" noProof="0" smtClean="0"/>
+              <a:rPr lang="ko-KR" altLang="en-US" noProof="0"/>
               <a:t>둘째 수준</a:t>
             </a:r>
           </a:p>
           <a:p>
             <a:pPr lvl="2" rtl="0"/>
             <a:r>
-              <a:rPr lang="ko-KR" altLang="en-US" noProof="0" smtClean="0"/>
+              <a:rPr lang="ko-KR" altLang="en-US" noProof="0"/>
               <a:t>셋째 수준</a:t>
             </a:r>
           </a:p>
           <a:p>
             <a:pPr lvl="3" rtl="0"/>
             <a:r>
-              <a:rPr lang="ko-KR" altLang="en-US" noProof="0" smtClean="0"/>
+              <a:rPr lang="ko-KR" altLang="en-US" noProof="0"/>
               <a:t>넷째 수준</a:t>
             </a:r>
           </a:p>
           <a:p>
             <a:pPr lvl="4" rtl="0"/>
             <a:r>
-              <a:rPr lang="ko-KR" altLang="en-US" noProof="0" smtClean="0"/>
+              <a:rPr lang="ko-KR" altLang="en-US" noProof="0"/>
               <a:t>다섯째 수준</a:t>
             </a:r>
             <a:endParaRPr lang="ko-KR" altLang="en-US" noProof="0" dirty="0"/>
@@ -2243,10 +2234,9 @@
           </a:lstStyle>
           <a:p>
             <a:r>
-              <a:rPr lang="ko-KR" altLang="en-US" noProof="0" dirty="0" smtClean="0"/>
+              <a:rPr lang="ko-KR" altLang="en-US" noProof="0" dirty="0"/>
               <a:t>바닥글 추가</a:t>
             </a:r>
-            <a:endParaRPr lang="ko-KR" altLang="en-US" noProof="0" dirty="0"/>
           </a:p>
         </p:txBody>
       </p:sp>
@@ -2303,13 +2293,6 @@
       </p:transition>
     </mc:Fallback>
   </mc:AlternateContent>
-  <p:timing>
-    <p:tnLst>
-      <p:par>
-        <p:cTn id="1" dur="indefinite" restart="never" nodeType="tmRoot"/>
-      </p:par>
-    </p:tnLst>
-  </p:timing>
 </p:sldLayout>
 </file>
 
@@ -2916,7 +2899,6 @@
           <a:ln>
             <a:noFill/>
           </a:ln>
-          <a:extLst/>
         </p:spPr>
         <p:txBody>
           <a:bodyPr vert="horz" wrap="square" lIns="91440" tIns="45720" rIns="91440" bIns="45720" numCol="1" rtlCol="0" anchor="t" anchorCtr="0" compatLnSpc="1">
@@ -2998,7 +2980,7 @@
           <a:p>
             <a:pPr rtl="0"/>
             <a:r>
-              <a:rPr lang="ko-KR" altLang="en-US" noProof="0" smtClean="0"/>
+              <a:rPr lang="ko-KR" altLang="en-US" noProof="0"/>
               <a:t>마스터 제목 스타일 편집</a:t>
             </a:r>
             <a:endParaRPr lang="ko-KR" altLang="en-US" noProof="0" dirty="0"/>
@@ -3058,35 +3040,35 @@
           <a:p>
             <a:pPr lvl="0" rtl="0"/>
             <a:r>
-              <a:rPr lang="ko-KR" altLang="en-US" noProof="0" smtClean="0"/>
+              <a:rPr lang="ko-KR" altLang="en-US" noProof="0"/>
               <a:t>마스터 텍스트 스타일 편집</a:t>
             </a:r>
           </a:p>
           <a:p>
             <a:pPr lvl="1" rtl="0"/>
             <a:r>
-              <a:rPr lang="ko-KR" altLang="en-US" noProof="0" smtClean="0"/>
+              <a:rPr lang="ko-KR" altLang="en-US" noProof="0"/>
               <a:t>둘째 수준</a:t>
             </a:r>
           </a:p>
           <a:p>
             <a:pPr lvl="2" rtl="0"/>
             <a:r>
-              <a:rPr lang="ko-KR" altLang="en-US" noProof="0" smtClean="0"/>
+              <a:rPr lang="ko-KR" altLang="en-US" noProof="0"/>
               <a:t>셋째 수준</a:t>
             </a:r>
           </a:p>
           <a:p>
             <a:pPr lvl="3" rtl="0"/>
             <a:r>
-              <a:rPr lang="ko-KR" altLang="en-US" noProof="0" smtClean="0"/>
+              <a:rPr lang="ko-KR" altLang="en-US" noProof="0"/>
               <a:t>넷째 수준</a:t>
             </a:r>
           </a:p>
           <a:p>
             <a:pPr lvl="4" rtl="0"/>
             <a:r>
-              <a:rPr lang="ko-KR" altLang="en-US" noProof="0" smtClean="0"/>
+              <a:rPr lang="ko-KR" altLang="en-US" noProof="0"/>
               <a:t>다섯째 수준</a:t>
             </a:r>
             <a:endParaRPr lang="ko-KR" altLang="en-US" noProof="0" dirty="0"/>
@@ -3146,10 +3128,9 @@
           </a:lstStyle>
           <a:p>
             <a:r>
-              <a:rPr lang="ko-KR" altLang="en-US" noProof="0" dirty="0" smtClean="0"/>
+              <a:rPr lang="ko-KR" altLang="en-US" noProof="0" dirty="0"/>
               <a:t>바닥글 추가</a:t>
             </a:r>
-            <a:endParaRPr lang="ko-KR" altLang="en-US" noProof="0" dirty="0"/>
           </a:p>
         </p:txBody>
       </p:sp>
@@ -3206,13 +3187,6 @@
       </p:transition>
     </mc:Fallback>
   </mc:AlternateContent>
-  <p:timing>
-    <p:tnLst>
-      <p:par>
-        <p:cTn id="1" dur="indefinite" restart="never" nodeType="tmRoot"/>
-      </p:par>
-    </p:tnLst>
-  </p:timing>
 </p:sldLayout>
 </file>
 
@@ -3257,7 +3231,7 @@
           <a:p>
             <a:pPr rtl="0"/>
             <a:r>
-              <a:rPr lang="ko-KR" altLang="en-US" noProof="0" smtClean="0"/>
+              <a:rPr lang="ko-KR" altLang="en-US" noProof="0"/>
               <a:t>마스터 제목 스타일 편집</a:t>
             </a:r>
             <a:endParaRPr lang="ko-KR" altLang="en-US" noProof="0" dirty="0"/>
@@ -3324,35 +3298,35 @@
           <a:p>
             <a:pPr lvl="0" rtl="0"/>
             <a:r>
-              <a:rPr lang="ko-KR" altLang="en-US" noProof="0" smtClean="0"/>
+              <a:rPr lang="ko-KR" altLang="en-US" noProof="0"/>
               <a:t>마스터 텍스트 스타일 편집</a:t>
             </a:r>
           </a:p>
           <a:p>
             <a:pPr lvl="1" rtl="0"/>
             <a:r>
-              <a:rPr lang="ko-KR" altLang="en-US" noProof="0" smtClean="0"/>
+              <a:rPr lang="ko-KR" altLang="en-US" noProof="0"/>
               <a:t>둘째 수준</a:t>
             </a:r>
           </a:p>
           <a:p>
             <a:pPr lvl="2" rtl="0"/>
             <a:r>
-              <a:rPr lang="ko-KR" altLang="en-US" noProof="0" smtClean="0"/>
+              <a:rPr lang="ko-KR" altLang="en-US" noProof="0"/>
               <a:t>셋째 수준</a:t>
             </a:r>
           </a:p>
           <a:p>
             <a:pPr lvl="3" rtl="0"/>
             <a:r>
-              <a:rPr lang="ko-KR" altLang="en-US" noProof="0" smtClean="0"/>
+              <a:rPr lang="ko-KR" altLang="en-US" noProof="0"/>
               <a:t>넷째 수준</a:t>
             </a:r>
           </a:p>
           <a:p>
             <a:pPr lvl="4" rtl="0"/>
             <a:r>
-              <a:rPr lang="ko-KR" altLang="en-US" noProof="0" smtClean="0"/>
+              <a:rPr lang="ko-KR" altLang="en-US" noProof="0"/>
               <a:t>다섯째 수준</a:t>
             </a:r>
             <a:endParaRPr lang="ko-KR" altLang="en-US" noProof="0" dirty="0"/>
@@ -3412,10 +3386,9 @@
           </a:lstStyle>
           <a:p>
             <a:r>
-              <a:rPr lang="ko-KR" altLang="en-US" noProof="0" dirty="0" smtClean="0"/>
+              <a:rPr lang="ko-KR" altLang="en-US" noProof="0" dirty="0"/>
               <a:t>바닥글 추가</a:t>
             </a:r>
-            <a:endParaRPr lang="ko-KR" altLang="en-US" noProof="0" dirty="0"/>
           </a:p>
         </p:txBody>
       </p:sp>
@@ -3472,13 +3445,6 @@
       </p:transition>
     </mc:Fallback>
   </mc:AlternateContent>
-  <p:timing>
-    <p:tnLst>
-      <p:par>
-        <p:cTn id="1" dur="indefinite" restart="never" nodeType="tmRoot"/>
-      </p:par>
-    </p:tnLst>
-  </p:timing>
 </p:sldLayout>
 </file>
 
@@ -4227,7 +4193,7 @@
           <a:p>
             <a:pPr rtl="0"/>
             <a:r>
-              <a:rPr lang="ko-KR" altLang="en-US" noProof="0" smtClean="0"/>
+              <a:rPr lang="ko-KR" altLang="en-US" noProof="0"/>
               <a:t>마스터 제목 스타일 편집</a:t>
             </a:r>
             <a:endParaRPr lang="ko-KR" altLang="en-US" noProof="0" dirty="0"/>
@@ -4352,7 +4318,7 @@
           <a:p>
             <a:pPr lvl="0" rtl="0"/>
             <a:r>
-              <a:rPr lang="ko-KR" altLang="en-US" noProof="0" smtClean="0"/>
+              <a:rPr lang="ko-KR" altLang="en-US" noProof="0"/>
               <a:t>마스터 텍스트 스타일 편집</a:t>
             </a:r>
           </a:p>
@@ -4417,10 +4383,9 @@
           </a:lstStyle>
           <a:p>
             <a:r>
-              <a:rPr lang="ko-KR" altLang="en-US" noProof="0" dirty="0" smtClean="0"/>
+              <a:rPr lang="ko-KR" altLang="en-US" noProof="0" dirty="0"/>
               <a:t>바닥글 추가</a:t>
             </a:r>
-            <a:endParaRPr lang="ko-KR" altLang="en-US" noProof="0" dirty="0"/>
           </a:p>
         </p:txBody>
       </p:sp>
@@ -4485,13 +4450,6 @@
       </p:transition>
     </mc:Fallback>
   </mc:AlternateContent>
-  <p:timing>
-    <p:tnLst>
-      <p:par>
-        <p:cTn id="1" dur="indefinite" restart="never" nodeType="tmRoot"/>
-      </p:par>
-    </p:tnLst>
-  </p:timing>
 </p:sldLayout>
 </file>
 
@@ -4536,10 +4494,9 @@
           <a:p>
             <a:pPr rtl="0"/>
             <a:r>
-              <a:rPr lang="ko-KR" altLang="en-US" noProof="0" dirty="0" smtClean="0"/>
+              <a:rPr lang="ko-KR" altLang="en-US" noProof="0" dirty="0"/>
               <a:t>마스터 제목 스타일 편집</a:t>
             </a:r>
-            <a:endParaRPr lang="ko-KR" altLang="en-US" noProof="0" dirty="0"/>
           </a:p>
         </p:txBody>
       </p:sp>
@@ -4608,35 +4565,35 @@
           <a:p>
             <a:pPr lvl="0" rtl="0"/>
             <a:r>
-              <a:rPr lang="ko-KR" altLang="en-US" noProof="0" smtClean="0"/>
+              <a:rPr lang="ko-KR" altLang="en-US" noProof="0"/>
               <a:t>마스터 텍스트 스타일 편집</a:t>
             </a:r>
           </a:p>
           <a:p>
             <a:pPr lvl="1" rtl="0"/>
             <a:r>
-              <a:rPr lang="ko-KR" altLang="en-US" noProof="0" smtClean="0"/>
+              <a:rPr lang="ko-KR" altLang="en-US" noProof="0"/>
               <a:t>둘째 수준</a:t>
             </a:r>
           </a:p>
           <a:p>
             <a:pPr lvl="2" rtl="0"/>
             <a:r>
-              <a:rPr lang="ko-KR" altLang="en-US" noProof="0" smtClean="0"/>
+              <a:rPr lang="ko-KR" altLang="en-US" noProof="0"/>
               <a:t>셋째 수준</a:t>
             </a:r>
           </a:p>
           <a:p>
             <a:pPr lvl="3" rtl="0"/>
             <a:r>
-              <a:rPr lang="ko-KR" altLang="en-US" noProof="0" smtClean="0"/>
+              <a:rPr lang="ko-KR" altLang="en-US" noProof="0"/>
               <a:t>넷째 수준</a:t>
             </a:r>
           </a:p>
           <a:p>
             <a:pPr lvl="4" rtl="0"/>
             <a:r>
-              <a:rPr lang="ko-KR" altLang="en-US" noProof="0" smtClean="0"/>
+              <a:rPr lang="ko-KR" altLang="en-US" noProof="0"/>
               <a:t>다섯째 수준</a:t>
             </a:r>
             <a:endParaRPr lang="ko-KR" altLang="en-US" noProof="0" dirty="0"/>
@@ -4708,35 +4665,35 @@
           <a:p>
             <a:pPr lvl="0" rtl="0"/>
             <a:r>
-              <a:rPr lang="ko-KR" altLang="en-US" noProof="0" smtClean="0"/>
+              <a:rPr lang="ko-KR" altLang="en-US" noProof="0"/>
               <a:t>마스터 텍스트 스타일 편집</a:t>
             </a:r>
           </a:p>
           <a:p>
             <a:pPr lvl="1" rtl="0"/>
             <a:r>
-              <a:rPr lang="ko-KR" altLang="en-US" noProof="0" smtClean="0"/>
+              <a:rPr lang="ko-KR" altLang="en-US" noProof="0"/>
               <a:t>둘째 수준</a:t>
             </a:r>
           </a:p>
           <a:p>
             <a:pPr lvl="2" rtl="0"/>
             <a:r>
-              <a:rPr lang="ko-KR" altLang="en-US" noProof="0" smtClean="0"/>
+              <a:rPr lang="ko-KR" altLang="en-US" noProof="0"/>
               <a:t>셋째 수준</a:t>
             </a:r>
           </a:p>
           <a:p>
             <a:pPr lvl="3" rtl="0"/>
             <a:r>
-              <a:rPr lang="ko-KR" altLang="en-US" noProof="0" smtClean="0"/>
+              <a:rPr lang="ko-KR" altLang="en-US" noProof="0"/>
               <a:t>넷째 수준</a:t>
             </a:r>
           </a:p>
           <a:p>
             <a:pPr lvl="4" rtl="0"/>
             <a:r>
-              <a:rPr lang="ko-KR" altLang="en-US" noProof="0" smtClean="0"/>
+              <a:rPr lang="ko-KR" altLang="en-US" noProof="0"/>
               <a:t>다섯째 수준</a:t>
             </a:r>
             <a:endParaRPr lang="ko-KR" altLang="en-US" noProof="0" dirty="0"/>
@@ -4796,10 +4753,9 @@
           </a:lstStyle>
           <a:p>
             <a:r>
-              <a:rPr lang="ko-KR" altLang="en-US" noProof="0" dirty="0" smtClean="0"/>
+              <a:rPr lang="ko-KR" altLang="en-US" noProof="0" dirty="0"/>
               <a:t>바닥글 추가</a:t>
             </a:r>
-            <a:endParaRPr lang="ko-KR" altLang="en-US" noProof="0" dirty="0"/>
           </a:p>
         </p:txBody>
       </p:sp>
@@ -4856,13 +4812,6 @@
       </p:transition>
     </mc:Fallback>
   </mc:AlternateContent>
-  <p:timing>
-    <p:tnLst>
-      <p:par>
-        <p:cTn id="1" dur="indefinite" restart="never" nodeType="tmRoot"/>
-      </p:par>
-    </p:tnLst>
-  </p:timing>
 </p:sldLayout>
 </file>
 
@@ -4904,7 +4853,7 @@
           <a:p>
             <a:pPr rtl="0"/>
             <a:r>
-              <a:rPr lang="ko-KR" altLang="en-US" noProof="0" smtClean="0"/>
+              <a:rPr lang="ko-KR" altLang="en-US" noProof="0"/>
               <a:t>마스터 제목 스타일 편집</a:t>
             </a:r>
             <a:endParaRPr lang="ko-KR" altLang="en-US" noProof="0" dirty="0"/>
@@ -4975,7 +4924,7 @@
           <a:p>
             <a:pPr lvl="0" rtl="0"/>
             <a:r>
-              <a:rPr lang="ko-KR" altLang="en-US" noProof="0" smtClean="0"/>
+              <a:rPr lang="ko-KR" altLang="en-US" noProof="0"/>
               <a:t>마스터 텍스트 스타일 편집</a:t>
             </a:r>
           </a:p>
@@ -5033,35 +4982,35 @@
           <a:p>
             <a:pPr lvl="0" rtl="0"/>
             <a:r>
-              <a:rPr lang="ko-KR" altLang="en-US" noProof="0" smtClean="0"/>
+              <a:rPr lang="ko-KR" altLang="en-US" noProof="0"/>
               <a:t>마스터 텍스트 스타일 편집</a:t>
             </a:r>
           </a:p>
           <a:p>
             <a:pPr lvl="1" rtl="0"/>
             <a:r>
-              <a:rPr lang="ko-KR" altLang="en-US" noProof="0" smtClean="0"/>
+              <a:rPr lang="ko-KR" altLang="en-US" noProof="0"/>
               <a:t>둘째 수준</a:t>
             </a:r>
           </a:p>
           <a:p>
             <a:pPr lvl="2" rtl="0"/>
             <a:r>
-              <a:rPr lang="ko-KR" altLang="en-US" noProof="0" smtClean="0"/>
+              <a:rPr lang="ko-KR" altLang="en-US" noProof="0"/>
               <a:t>셋째 수준</a:t>
             </a:r>
           </a:p>
           <a:p>
             <a:pPr lvl="3" rtl="0"/>
             <a:r>
-              <a:rPr lang="ko-KR" altLang="en-US" noProof="0" smtClean="0"/>
+              <a:rPr lang="ko-KR" altLang="en-US" noProof="0"/>
               <a:t>넷째 수준</a:t>
             </a:r>
           </a:p>
           <a:p>
             <a:pPr lvl="4" rtl="0"/>
             <a:r>
-              <a:rPr lang="ko-KR" altLang="en-US" noProof="0" smtClean="0"/>
+              <a:rPr lang="ko-KR" altLang="en-US" noProof="0"/>
               <a:t>다섯째 수준</a:t>
             </a:r>
             <a:endParaRPr lang="ko-KR" altLang="en-US" noProof="0" dirty="0"/>
@@ -5132,7 +5081,7 @@
           <a:p>
             <a:pPr lvl="0" rtl="0"/>
             <a:r>
-              <a:rPr lang="ko-KR" altLang="en-US" noProof="0" smtClean="0"/>
+              <a:rPr lang="ko-KR" altLang="en-US" noProof="0"/>
               <a:t>마스터 텍스트 스타일 편집</a:t>
             </a:r>
           </a:p>
@@ -5190,35 +5139,35 @@
           <a:p>
             <a:pPr lvl="0" rtl="0"/>
             <a:r>
-              <a:rPr lang="ko-KR" altLang="en-US" noProof="0" smtClean="0"/>
+              <a:rPr lang="ko-KR" altLang="en-US" noProof="0"/>
               <a:t>마스터 텍스트 스타일 편집</a:t>
             </a:r>
           </a:p>
           <a:p>
             <a:pPr lvl="1" rtl="0"/>
             <a:r>
-              <a:rPr lang="ko-KR" altLang="en-US" noProof="0" smtClean="0"/>
+              <a:rPr lang="ko-KR" altLang="en-US" noProof="0"/>
               <a:t>둘째 수준</a:t>
             </a:r>
           </a:p>
           <a:p>
             <a:pPr lvl="2" rtl="0"/>
             <a:r>
-              <a:rPr lang="ko-KR" altLang="en-US" noProof="0" smtClean="0"/>
+              <a:rPr lang="ko-KR" altLang="en-US" noProof="0"/>
               <a:t>셋째 수준</a:t>
             </a:r>
           </a:p>
           <a:p>
             <a:pPr lvl="3" rtl="0"/>
             <a:r>
-              <a:rPr lang="ko-KR" altLang="en-US" noProof="0" smtClean="0"/>
+              <a:rPr lang="ko-KR" altLang="en-US" noProof="0"/>
               <a:t>넷째 수준</a:t>
             </a:r>
           </a:p>
           <a:p>
             <a:pPr lvl="4" rtl="0"/>
             <a:r>
-              <a:rPr lang="ko-KR" altLang="en-US" noProof="0" smtClean="0"/>
+              <a:rPr lang="ko-KR" altLang="en-US" noProof="0"/>
               <a:t>다섯째 수준</a:t>
             </a:r>
             <a:endParaRPr lang="ko-KR" altLang="en-US" noProof="0" dirty="0"/>
@@ -5318,13 +5267,6 @@
       </p:transition>
     </mc:Fallback>
   </mc:AlternateContent>
-  <p:timing>
-    <p:tnLst>
-      <p:par>
-        <p:cTn id="1" dur="indefinite" restart="never" nodeType="tmRoot"/>
-      </p:par>
-    </p:tnLst>
-  </p:timing>
 </p:sldLayout>
 </file>
 
@@ -5362,10 +5304,9 @@
           <a:p>
             <a:pPr rtl="0"/>
             <a:r>
-              <a:rPr lang="ko-KR" altLang="en-US" noProof="0" dirty="0" smtClean="0"/>
+              <a:rPr lang="ko-KR" altLang="en-US" noProof="0" dirty="0"/>
               <a:t>마스터 제목 스타일 편집</a:t>
             </a:r>
-            <a:endParaRPr lang="ko-KR" altLang="en-US" noProof="0" dirty="0"/>
           </a:p>
         </p:txBody>
       </p:sp>
@@ -5462,13 +5403,6 @@
       </p:transition>
     </mc:Fallback>
   </mc:AlternateContent>
-  <p:timing>
-    <p:tnLst>
-      <p:par>
-        <p:cTn id="1" dur="indefinite" restart="never" nodeType="tmRoot"/>
-      </p:par>
-    </p:tnLst>
-  </p:timing>
 </p:sldLayout>
 </file>
 
@@ -5782,10 +5716,9 @@
           </a:lstStyle>
           <a:p>
             <a:r>
-              <a:rPr lang="ko-KR" altLang="en-US" noProof="0" dirty="0" smtClean="0"/>
+              <a:rPr lang="ko-KR" altLang="en-US" noProof="0" dirty="0"/>
               <a:t>바닥글 추가</a:t>
             </a:r>
-            <a:endParaRPr lang="ko-KR" altLang="en-US" noProof="0" dirty="0"/>
           </a:p>
         </p:txBody>
       </p:sp>
@@ -5845,13 +5778,6 @@
       </p:transition>
     </mc:Fallback>
   </mc:AlternateContent>
-  <p:timing>
-    <p:tnLst>
-      <p:par>
-        <p:cTn id="1" dur="indefinite" restart="never" nodeType="tmRoot"/>
-      </p:par>
-    </p:tnLst>
-  </p:timing>
 </p:sldLayout>
 </file>
 
@@ -6095,7 +6021,7 @@
           <a:p>
             <a:pPr rtl="0"/>
             <a:r>
-              <a:rPr lang="ko-KR" altLang="en-US" noProof="0" smtClean="0"/>
+              <a:rPr lang="ko-KR" altLang="en-US" noProof="0"/>
               <a:t>마스터 제목 스타일 편집</a:t>
             </a:r>
             <a:endParaRPr lang="ko-KR" altLang="en-US" noProof="0" dirty="0"/>
@@ -6169,35 +6095,35 @@
           <a:p>
             <a:pPr lvl="0" rtl="0"/>
             <a:r>
-              <a:rPr lang="ko-KR" altLang="en-US" noProof="0" smtClean="0"/>
+              <a:rPr lang="ko-KR" altLang="en-US" noProof="0"/>
               <a:t>마스터 텍스트 스타일 편집</a:t>
             </a:r>
           </a:p>
           <a:p>
             <a:pPr lvl="1" rtl="0"/>
             <a:r>
-              <a:rPr lang="ko-KR" altLang="en-US" noProof="0" smtClean="0"/>
+              <a:rPr lang="ko-KR" altLang="en-US" noProof="0"/>
               <a:t>둘째 수준</a:t>
             </a:r>
           </a:p>
           <a:p>
             <a:pPr lvl="2" rtl="0"/>
             <a:r>
-              <a:rPr lang="ko-KR" altLang="en-US" noProof="0" smtClean="0"/>
+              <a:rPr lang="ko-KR" altLang="en-US" noProof="0"/>
               <a:t>셋째 수준</a:t>
             </a:r>
           </a:p>
           <a:p>
             <a:pPr lvl="3" rtl="0"/>
             <a:r>
-              <a:rPr lang="ko-KR" altLang="en-US" noProof="0" smtClean="0"/>
+              <a:rPr lang="ko-KR" altLang="en-US" noProof="0"/>
               <a:t>넷째 수준</a:t>
             </a:r>
           </a:p>
           <a:p>
             <a:pPr lvl="4" rtl="0"/>
             <a:r>
-              <a:rPr lang="ko-KR" altLang="en-US" noProof="0" smtClean="0"/>
+              <a:rPr lang="ko-KR" altLang="en-US" noProof="0"/>
               <a:t>다섯째 수준</a:t>
             </a:r>
             <a:endParaRPr lang="ko-KR" altLang="en-US" noProof="0" dirty="0"/>
@@ -6271,7 +6197,7 @@
           <a:p>
             <a:pPr lvl="0" rtl="0"/>
             <a:r>
-              <a:rPr lang="ko-KR" altLang="en-US" noProof="0" smtClean="0"/>
+              <a:rPr lang="ko-KR" altLang="en-US" noProof="0"/>
               <a:t>마스터 텍스트 스타일 편집</a:t>
             </a:r>
           </a:p>
@@ -6330,10 +6256,9 @@
           </a:lstStyle>
           <a:p>
             <a:r>
-              <a:rPr lang="ko-KR" altLang="en-US" noProof="0" dirty="0" smtClean="0"/>
+              <a:rPr lang="ko-KR" altLang="en-US" noProof="0" dirty="0"/>
               <a:t>바닥글 추가</a:t>
             </a:r>
-            <a:endParaRPr lang="ko-KR" altLang="en-US" noProof="0" dirty="0"/>
           </a:p>
         </p:txBody>
       </p:sp>
@@ -6390,13 +6315,6 @@
       </p:transition>
     </mc:Fallback>
   </mc:AlternateContent>
-  <p:timing>
-    <p:tnLst>
-      <p:par>
-        <p:cTn id="1" dur="indefinite" restart="never" nodeType="tmRoot"/>
-      </p:par>
-    </p:tnLst>
-  </p:timing>
 </p:sldLayout>
 </file>
 
@@ -6608,7 +6526,7 @@
           <a:p>
             <a:pPr rtl="0"/>
             <a:r>
-              <a:rPr lang="ko-KR" altLang="en-US" noProof="0" smtClean="0"/>
+              <a:rPr lang="ko-KR" altLang="en-US" noProof="0"/>
               <a:t>마스터 제목 스타일 편집</a:t>
             </a:r>
             <a:endParaRPr lang="ko-KR" altLang="en-US" noProof="0" dirty="0"/>
@@ -6687,7 +6605,7 @@
           <a:p>
             <a:pPr rtl="0"/>
             <a:r>
-              <a:rPr lang="ko-KR" altLang="en-US" noProof="0" smtClean="0"/>
+              <a:rPr lang="ko-KR" altLang="en-US" noProof="0"/>
               <a:t>그림을 추가하려면 아이콘을 클릭하십시오</a:t>
             </a:r>
             <a:endParaRPr lang="ko-KR" altLang="en-US" noProof="0" dirty="0"/>
@@ -6761,7 +6679,7 @@
           <a:p>
             <a:pPr lvl="0" rtl="0"/>
             <a:r>
-              <a:rPr lang="ko-KR" altLang="en-US" noProof="0" smtClean="0"/>
+              <a:rPr lang="ko-KR" altLang="en-US" noProof="0"/>
               <a:t>마스터 텍스트 스타일 편집</a:t>
             </a:r>
           </a:p>
@@ -6826,10 +6744,9 @@
           </a:lstStyle>
           <a:p>
             <a:r>
-              <a:rPr lang="ko-KR" altLang="en-US" noProof="0" dirty="0" smtClean="0"/>
+              <a:rPr lang="ko-KR" altLang="en-US" noProof="0" dirty="0"/>
               <a:t>바닥글 추가</a:t>
             </a:r>
-            <a:endParaRPr lang="ko-KR" altLang="en-US" noProof="0" dirty="0"/>
           </a:p>
         </p:txBody>
       </p:sp>
@@ -6924,13 +6841,6 @@
       </p:transition>
     </mc:Fallback>
   </mc:AlternateContent>
-  <p:timing>
-    <p:tnLst>
-      <p:par>
-        <p:cTn id="1" dur="indefinite" restart="never" nodeType="tmRoot"/>
-      </p:par>
-    </p:tnLst>
-  </p:timing>
 </p:sldLayout>
 </file>
 
@@ -7439,10 +7349,9 @@
           </a:lstStyle>
           <a:p>
             <a:r>
-              <a:rPr lang="ko-KR" altLang="en-US" noProof="0" dirty="0" smtClean="0"/>
+              <a:rPr lang="ko-KR" altLang="en-US" noProof="0" dirty="0"/>
               <a:t>바닥글 추가</a:t>
             </a:r>
-            <a:endParaRPr lang="ko-KR" altLang="en-US" noProof="0" dirty="0"/>
           </a:p>
         </p:txBody>
       </p:sp>
@@ -7521,13 +7430,6 @@
       </p:transition>
     </mc:Fallback>
   </mc:AlternateContent>
-  <p:timing>
-    <p:tnLst>
-      <p:par>
-        <p:cTn id="1" dur="indefinite" restart="never" nodeType="tmRoot"/>
-      </p:par>
-    </p:tnLst>
-  </p:timing>
   <p:hf sldNum="0" hdr="0" ftr="0" dt="0"/>
   <p:txStyles>
     <p:titleStyle>
@@ -7811,7 +7713,7 @@
       </a:lvl9pPr>
     </p:otherStyle>
   </p:txStyles>
-  <p:extLst mod="1">
+  <p:extLst>
     <p:ext uri="{27BBF7A9-308A-43DC-89C8-2F10F3537804}">
       <p15:sldGuideLst xmlns:p15="http://schemas.microsoft.com/office/powerpoint/2012/main">
         <p15:guide id="1" orient="horz" pos="2160" userDrawn="1">
@@ -7869,15 +7771,19 @@
           <a:p>
             <a:pPr rtl="0"/>
             <a:r>
-              <a:rPr lang="en-US" altLang="ko-KR" dirty="0" smtClean="0"/>
+              <a:rPr lang="en-US" altLang="ko-KR" dirty="0"/>
               <a:t>Walk with me</a:t>
             </a:r>
             <a:br>
-              <a:rPr lang="en-US" altLang="ko-KR" dirty="0" smtClean="0"/>
+              <a:rPr lang="en-US" altLang="ko-KR" dirty="0"/>
             </a:br>
             <a:r>
-              <a:rPr lang="ko-KR" altLang="en-US" dirty="0" smtClean="0"/>
-              <a:t>시각장애인 스마트 지팡이</a:t>
+              <a:rPr lang="ko-KR" altLang="en-US" dirty="0"/>
+              <a:t>시각장애인 </a:t>
+            </a:r>
+            <a:r>
+              <a:rPr lang="ko-KR" altLang="en-US"/>
+              <a:t>스마트 지펑이</a:t>
             </a:r>
             <a:endParaRPr lang="ko-KR" altLang="en-US" dirty="0">
               <a:latin typeface="맑은 고딕" panose="020B0503020000020004" pitchFamily="50" charset="-127"/>
@@ -7908,20 +7814,20 @@
           <a:p>
             <a:pPr algn="r" rtl="0"/>
             <a:r>
-              <a:rPr lang="en-US" altLang="ko-KR" dirty="0" smtClean="0">
+              <a:rPr lang="en-US" altLang="ko-KR" dirty="0">
                 <a:latin typeface="맑은 고딕" panose="020B0503020000020004" pitchFamily="50" charset="-127"/>
                 <a:ea typeface="맑은 고딕" panose="020B0503020000020004" pitchFamily="50" charset="-127"/>
               </a:rPr>
               <a:t>201810515 </a:t>
             </a:r>
             <a:r>
-              <a:rPr lang="ko-KR" altLang="en-US" dirty="0" err="1" smtClean="0">
+              <a:rPr lang="ko-KR" altLang="en-US" dirty="0" err="1">
                 <a:latin typeface="맑은 고딕" panose="020B0503020000020004" pitchFamily="50" charset="-127"/>
                 <a:ea typeface="맑은 고딕" panose="020B0503020000020004" pitchFamily="50" charset="-127"/>
               </a:rPr>
               <a:t>김유섭</a:t>
             </a:r>
-            <a:endParaRPr lang="en-US" altLang="ko-KR" dirty="0" smtClean="0">
+            <a:endParaRPr lang="en-US" altLang="ko-KR" dirty="0">
               <a:latin typeface="맑은 고딕" panose="020B0503020000020004" pitchFamily="50" charset="-127"/>
               <a:ea typeface="맑은 고딕" panose="020B0503020000020004" pitchFamily="50" charset="-127"/>
             </a:endParaRPr>
@@ -7929,11 +7835,11 @@
           <a:p>
             <a:pPr algn="r" rtl="0"/>
             <a:r>
-              <a:rPr lang="en-US" altLang="ko-KR" dirty="0" smtClean="0"/>
+              <a:rPr lang="en-US" altLang="ko-KR" dirty="0"/>
               <a:t>201810704 </a:t>
             </a:r>
             <a:r>
-              <a:rPr lang="ko-KR" altLang="en-US" dirty="0" smtClean="0"/>
+              <a:rPr lang="ko-KR" altLang="en-US" dirty="0"/>
               <a:t>김학인</a:t>
             </a:r>
             <a:endParaRPr lang="en-US" altLang="ko-KR" dirty="0"/>
@@ -7941,20 +7847,20 @@
           <a:p>
             <a:pPr algn="r" rtl="0"/>
             <a:r>
-              <a:rPr lang="en-US" altLang="ko-KR" dirty="0" smtClean="0">
+              <a:rPr lang="en-US" altLang="ko-KR" dirty="0">
                 <a:latin typeface="맑은 고딕" panose="020B0503020000020004" pitchFamily="50" charset="-127"/>
                 <a:ea typeface="맑은 고딕" panose="020B0503020000020004" pitchFamily="50" charset="-127"/>
               </a:rPr>
               <a:t>201912500 </a:t>
             </a:r>
             <a:r>
-              <a:rPr lang="ko-KR" altLang="en-US" dirty="0" err="1" smtClean="0">
+              <a:rPr lang="ko-KR" altLang="en-US" dirty="0" err="1">
                 <a:latin typeface="맑은 고딕" panose="020B0503020000020004" pitchFamily="50" charset="-127"/>
                 <a:ea typeface="맑은 고딕" panose="020B0503020000020004" pitchFamily="50" charset="-127"/>
               </a:rPr>
               <a:t>성승모</a:t>
             </a:r>
-            <a:endParaRPr lang="en-US" altLang="ko-KR" dirty="0" smtClean="0">
+            <a:endParaRPr lang="en-US" altLang="ko-KR" dirty="0">
               <a:latin typeface="맑은 고딕" panose="020B0503020000020004" pitchFamily="50" charset="-127"/>
               <a:ea typeface="맑은 고딕" panose="020B0503020000020004" pitchFamily="50" charset="-127"/>
             </a:endParaRPr>
@@ -7962,11 +7868,11 @@
           <a:p>
             <a:pPr algn="r" rtl="0"/>
             <a:r>
-              <a:rPr lang="en-US" altLang="ko-KR" dirty="0" smtClean="0"/>
+              <a:rPr lang="en-US" altLang="ko-KR" dirty="0"/>
               <a:t>202015403 </a:t>
             </a:r>
             <a:r>
-              <a:rPr lang="ko-KR" altLang="en-US" dirty="0" smtClean="0"/>
+              <a:rPr lang="ko-KR" altLang="en-US" dirty="0"/>
               <a:t>정병준</a:t>
             </a:r>
             <a:endParaRPr lang="ko-KR" altLang="en-US" dirty="0">
@@ -7998,13 +7904,6 @@
       </p:transition>
     </mc:Fallback>
   </mc:AlternateContent>
-  <p:timing>
-    <p:tnLst>
-      <p:par>
-        <p:cTn id="1" dur="indefinite" restart="never" nodeType="tmRoot"/>
-      </p:par>
-    </p:tnLst>
-  </p:timing>
 </p:sld>
 </file>
 
@@ -8042,43 +7941,61 @@
           <a:p>
             <a:pPr rtl="0"/>
             <a:r>
-              <a:rPr lang="ko-KR" altLang="en-US" dirty="0" smtClean="0">
+              <a:rPr lang="ko-KR" altLang="en-US" dirty="0">
                 <a:latin typeface="맑은 고딕" panose="020B0503020000020004" pitchFamily="50" charset="-127"/>
                 <a:ea typeface="맑은 고딕" panose="020B0503020000020004" pitchFamily="50" charset="-127"/>
               </a:rPr>
               <a:t>목차</a:t>
             </a:r>
-            <a:endParaRPr lang="ko-KR" altLang="en-US" dirty="0">
+          </a:p>
+        </p:txBody>
+      </p:sp>
+      <p:sp>
+        <p:nvSpPr>
+          <p:cNvPr id="14" name="내용 개체 틀 13"/>
+          <p:cNvSpPr>
+            <a:spLocks noGrp="1"/>
+          </p:cNvSpPr>
+          <p:nvPr>
+            <p:ph idx="1"/>
+          </p:nvPr>
+        </p:nvSpPr>
+        <p:spPr/>
+        <p:txBody>
+          <a:bodyPr rtlCol="0"/>
+          <a:lstStyle/>
+          <a:p>
+            <a:pPr rtl="0"/>
+            <a:r>
+              <a:rPr lang="ko-KR" altLang="en-US" dirty="0">
+                <a:latin typeface="맑은 고딕" panose="020B0503020000020004" pitchFamily="50" charset="-127"/>
+                <a:ea typeface="맑은 고딕" panose="020B0503020000020004" pitchFamily="50" charset="-127"/>
+              </a:rPr>
+              <a:t>과제 목표</a:t>
+            </a:r>
+            <a:endParaRPr lang="en-US" altLang="ko-KR" dirty="0">
               <a:latin typeface="맑은 고딕" panose="020B0503020000020004" pitchFamily="50" charset="-127"/>
               <a:ea typeface="맑은 고딕" panose="020B0503020000020004" pitchFamily="50" charset="-127"/>
             </a:endParaRPr>
           </a:p>
-        </p:txBody>
-      </p:sp>
-      <p:sp>
-        <p:nvSpPr>
-          <p:cNvPr id="14" name="내용 개체 틀 13"/>
-          <p:cNvSpPr>
-            <a:spLocks noGrp="1"/>
-          </p:cNvSpPr>
-          <p:nvPr>
-            <p:ph idx="1"/>
-          </p:nvPr>
-        </p:nvSpPr>
-        <p:spPr/>
-        <p:txBody>
-          <a:bodyPr rtlCol="0"/>
-          <a:lstStyle/>
           <a:p>
             <a:pPr rtl="0"/>
             <a:r>
-              <a:rPr lang="ko-KR" altLang="en-US" dirty="0" smtClean="0">
+              <a:rPr lang="ko-KR" altLang="en-US" dirty="0"/>
+              <a:t>기존 기술 분석</a:t>
+            </a:r>
+            <a:endParaRPr lang="en-US" altLang="ko-KR" dirty="0"/>
+          </a:p>
+          <a:p>
+            <a:pPr rtl="0"/>
+            <a:r>
+              <a:rPr lang="ko-KR" altLang="en-US" dirty="0">
                 <a:latin typeface="맑은 고딕" panose="020B0503020000020004" pitchFamily="50" charset="-127"/>
                 <a:ea typeface="맑은 고딕" panose="020B0503020000020004" pitchFamily="50" charset="-127"/>
               </a:rPr>
-              <a:t>과제 목표</a:t>
-            </a:r>
-            <a:endParaRPr lang="en-US" altLang="ko-KR" dirty="0" smtClean="0">
+              <a:t>과제 소개</a:t>
+            </a:r>
+            <a:endParaRPr lang="en-US" altLang="ko-KR" dirty="0">
               <a:latin typeface="맑은 고딕" panose="020B0503020000020004" pitchFamily="50" charset="-127"/>
               <a:ea typeface="맑은 고딕" panose="020B0503020000020004" pitchFamily="50" charset="-127"/>
             </a:endParaRPr>
@@ -8086,21 +8003,21 @@
           <a:p>
             <a:pPr rtl="0"/>
             <a:r>
-              <a:rPr lang="ko-KR" altLang="en-US" dirty="0" smtClean="0"/>
-              <a:t>기존 기술 분석</a:t>
-            </a:r>
-            <a:endParaRPr lang="en-US" altLang="ko-KR" dirty="0" smtClean="0"/>
+              <a:rPr lang="ko-KR" altLang="en-US" dirty="0"/>
+              <a:t>조원 별 역할</a:t>
+            </a:r>
+            <a:endParaRPr lang="en-US" altLang="ko-KR" dirty="0"/>
           </a:p>
           <a:p>
             <a:pPr rtl="0"/>
             <a:r>
-              <a:rPr lang="ko-KR" altLang="en-US" dirty="0" smtClean="0">
+              <a:rPr lang="ko-KR" altLang="en-US" dirty="0">
                 <a:latin typeface="맑은 고딕" panose="020B0503020000020004" pitchFamily="50" charset="-127"/>
                 <a:ea typeface="맑은 고딕" panose="020B0503020000020004" pitchFamily="50" charset="-127"/>
               </a:rPr>
-              <a:t>과제 소개</a:t>
-            </a:r>
-            <a:endParaRPr lang="en-US" altLang="ko-KR" dirty="0" smtClean="0">
+              <a:t>일정 계획</a:t>
+            </a:r>
+            <a:endParaRPr lang="en-US" altLang="ko-KR" dirty="0">
               <a:latin typeface="맑은 고딕" panose="020B0503020000020004" pitchFamily="50" charset="-127"/>
               <a:ea typeface="맑은 고딕" panose="020B0503020000020004" pitchFamily="50" charset="-127"/>
             </a:endParaRPr>
@@ -8108,46 +8025,20 @@
           <a:p>
             <a:pPr rtl="0"/>
             <a:r>
-              <a:rPr lang="ko-KR" altLang="en-US" dirty="0" smtClean="0"/>
-              <a:t>조원 별 역할</a:t>
-            </a:r>
-            <a:endParaRPr lang="en-US" altLang="ko-KR" dirty="0" smtClean="0"/>
+              <a:rPr lang="ko-KR" altLang="en-US" dirty="0"/>
+              <a:t>예산안</a:t>
+            </a:r>
+            <a:endParaRPr lang="en-US" altLang="ko-KR" dirty="0"/>
           </a:p>
           <a:p>
             <a:pPr rtl="0"/>
             <a:r>
-              <a:rPr lang="ko-KR" altLang="en-US" dirty="0" smtClean="0">
-                <a:latin typeface="맑은 고딕" panose="020B0503020000020004" pitchFamily="50" charset="-127"/>
-                <a:ea typeface="맑은 고딕" panose="020B0503020000020004" pitchFamily="50" charset="-127"/>
-              </a:rPr>
-              <a:t>일정 계획</a:t>
-            </a:r>
-            <a:endParaRPr lang="en-US" altLang="ko-KR" dirty="0" smtClean="0">
-              <a:latin typeface="맑은 고딕" panose="020B0503020000020004" pitchFamily="50" charset="-127"/>
-              <a:ea typeface="맑은 고딕" panose="020B0503020000020004" pitchFamily="50" charset="-127"/>
-            </a:endParaRPr>
-          </a:p>
-          <a:p>
-            <a:pPr rtl="0"/>
-            <a:r>
-              <a:rPr lang="ko-KR" altLang="en-US" dirty="0" smtClean="0"/>
-              <a:t>예산안</a:t>
-            </a:r>
-            <a:endParaRPr lang="en-US" altLang="ko-KR" dirty="0" smtClean="0"/>
-          </a:p>
-          <a:p>
-            <a:pPr rtl="0"/>
-            <a:r>
-              <a:rPr lang="ko-KR" altLang="en-US" dirty="0" smtClean="0">
+              <a:rPr lang="ko-KR" altLang="en-US" dirty="0">
                 <a:latin typeface="맑은 고딕" panose="020B0503020000020004" pitchFamily="50" charset="-127"/>
                 <a:ea typeface="맑은 고딕" panose="020B0503020000020004" pitchFamily="50" charset="-127"/>
               </a:rPr>
               <a:t>참고자료</a:t>
             </a:r>
-            <a:endParaRPr lang="ko-KR" altLang="en-US" dirty="0">
-              <a:latin typeface="맑은 고딕" panose="020B0503020000020004" pitchFamily="50" charset="-127"/>
-              <a:ea typeface="맑은 고딕" panose="020B0503020000020004" pitchFamily="50" charset="-127"/>
-            </a:endParaRPr>
           </a:p>
         </p:txBody>
       </p:sp>
@@ -8173,13 +8064,6 @@
       </p:transition>
     </mc:Fallback>
   </mc:AlternateContent>
-  <p:timing>
-    <p:tnLst>
-      <p:par>
-        <p:cTn id="1" dur="indefinite" restart="never" nodeType="tmRoot"/>
-      </p:par>
-    </p:tnLst>
-  </p:timing>
 </p:sld>
 </file>
 
@@ -8282,13 +8166,6 @@
       </p:transition>
     </mc:Fallback>
   </mc:AlternateContent>
-  <p:timing>
-    <p:tnLst>
-      <p:par>
-        <p:cTn id="1" dur="indefinite" restart="never" nodeType="tmRoot"/>
-      </p:par>
-    </p:tnLst>
-  </p:timing>
 </p:sld>
 </file>
 
@@ -8368,13 +8245,6 @@
       </p:transition>
     </mc:Fallback>
   </mc:AlternateContent>
-  <p:timing>
-    <p:tnLst>
-      <p:par>
-        <p:cTn id="1" dur="indefinite" restart="never" nodeType="tmRoot"/>
-      </p:par>
-    </p:tnLst>
-  </p:timing>
 </p:sld>
 </file>
 
@@ -8500,13 +8370,6 @@
       </p:transition>
     </mc:Fallback>
   </mc:AlternateContent>
-  <p:timing>
-    <p:tnLst>
-      <p:par>
-        <p:cTn id="1" dur="indefinite" restart="never" nodeType="tmRoot"/>
-      </p:par>
-    </p:tnLst>
-  </p:timing>
 </p:sld>
 </file>
 
@@ -8621,13 +8484,6 @@
       </p:transition>
     </mc:Fallback>
   </mc:AlternateContent>
-  <p:timing>
-    <p:tnLst>
-      <p:par>
-        <p:cTn id="1" dur="indefinite" restart="never" nodeType="tmRoot"/>
-      </p:par>
-    </p:tnLst>
-  </p:timing>
 </p:sld>
 </file>
 
